--- a/study/2_String.pptx
+++ b/study/2_String.pptx
@@ -30,7 +30,10 @@
     <p:sldId id="308" r:id="rId24"/>
     <p:sldId id="290" r:id="rId25"/>
     <p:sldId id="291" r:id="rId26"/>
-    <p:sldId id="298" r:id="rId27"/>
+    <p:sldId id="309" r:id="rId27"/>
+    <p:sldId id="310" r:id="rId28"/>
+    <p:sldId id="311" r:id="rId29"/>
+    <p:sldId id="298" r:id="rId30"/>
   </p:sldIdLst>
   <p:sldSz cx="12192000" cy="6858000"/>
   <p:notesSz cx="6858000" cy="9144000"/>
@@ -284,7 +287,7 @@
           <a:p>
             <a:fld id="{33C37291-AA83-40C0-9297-8F7F3693F6CC}" type="datetimeFigureOut">
               <a:rPr lang="ko-KR" altLang="en-US" smtClean="0"/>
-              <a:t>2022-08-12</a:t>
+              <a:t>2022-08-28</a:t>
             </a:fld>
             <a:endParaRPr lang="ko-KR" altLang="en-US"/>
           </a:p>
@@ -482,7 +485,7 @@
           <a:p>
             <a:fld id="{33C37291-AA83-40C0-9297-8F7F3693F6CC}" type="datetimeFigureOut">
               <a:rPr lang="ko-KR" altLang="en-US" smtClean="0"/>
-              <a:t>2022-08-12</a:t>
+              <a:t>2022-08-28</a:t>
             </a:fld>
             <a:endParaRPr lang="ko-KR" altLang="en-US"/>
           </a:p>
@@ -690,7 +693,7 @@
           <a:p>
             <a:fld id="{33C37291-AA83-40C0-9297-8F7F3693F6CC}" type="datetimeFigureOut">
               <a:rPr lang="ko-KR" altLang="en-US" smtClean="0"/>
-              <a:t>2022-08-12</a:t>
+              <a:t>2022-08-28</a:t>
             </a:fld>
             <a:endParaRPr lang="ko-KR" altLang="en-US"/>
           </a:p>
@@ -888,7 +891,7 @@
           <a:p>
             <a:fld id="{33C37291-AA83-40C0-9297-8F7F3693F6CC}" type="datetimeFigureOut">
               <a:rPr lang="ko-KR" altLang="en-US" smtClean="0"/>
-              <a:t>2022-08-12</a:t>
+              <a:t>2022-08-28</a:t>
             </a:fld>
             <a:endParaRPr lang="ko-KR" altLang="en-US"/>
           </a:p>
@@ -1163,7 +1166,7 @@
           <a:p>
             <a:fld id="{33C37291-AA83-40C0-9297-8F7F3693F6CC}" type="datetimeFigureOut">
               <a:rPr lang="ko-KR" altLang="en-US" smtClean="0"/>
-              <a:t>2022-08-12</a:t>
+              <a:t>2022-08-28</a:t>
             </a:fld>
             <a:endParaRPr lang="ko-KR" altLang="en-US"/>
           </a:p>
@@ -1428,7 +1431,7 @@
           <a:p>
             <a:fld id="{33C37291-AA83-40C0-9297-8F7F3693F6CC}" type="datetimeFigureOut">
               <a:rPr lang="ko-KR" altLang="en-US" smtClean="0"/>
-              <a:t>2022-08-12</a:t>
+              <a:t>2022-08-28</a:t>
             </a:fld>
             <a:endParaRPr lang="ko-KR" altLang="en-US"/>
           </a:p>
@@ -1840,7 +1843,7 @@
           <a:p>
             <a:fld id="{33C37291-AA83-40C0-9297-8F7F3693F6CC}" type="datetimeFigureOut">
               <a:rPr lang="ko-KR" altLang="en-US" smtClean="0"/>
-              <a:t>2022-08-12</a:t>
+              <a:t>2022-08-28</a:t>
             </a:fld>
             <a:endParaRPr lang="ko-KR" altLang="en-US"/>
           </a:p>
@@ -1981,7 +1984,7 @@
           <a:p>
             <a:fld id="{33C37291-AA83-40C0-9297-8F7F3693F6CC}" type="datetimeFigureOut">
               <a:rPr lang="ko-KR" altLang="en-US" smtClean="0"/>
-              <a:t>2022-08-12</a:t>
+              <a:t>2022-08-28</a:t>
             </a:fld>
             <a:endParaRPr lang="ko-KR" altLang="en-US"/>
           </a:p>
@@ -2094,7 +2097,7 @@
           <a:p>
             <a:fld id="{33C37291-AA83-40C0-9297-8F7F3693F6CC}" type="datetimeFigureOut">
               <a:rPr lang="ko-KR" altLang="en-US" smtClean="0"/>
-              <a:t>2022-08-12</a:t>
+              <a:t>2022-08-28</a:t>
             </a:fld>
             <a:endParaRPr lang="ko-KR" altLang="en-US"/>
           </a:p>
@@ -2405,7 +2408,7 @@
           <a:p>
             <a:fld id="{33C37291-AA83-40C0-9297-8F7F3693F6CC}" type="datetimeFigureOut">
               <a:rPr lang="ko-KR" altLang="en-US" smtClean="0"/>
-              <a:t>2022-08-12</a:t>
+              <a:t>2022-08-28</a:t>
             </a:fld>
             <a:endParaRPr lang="ko-KR" altLang="en-US"/>
           </a:p>
@@ -2693,7 +2696,7 @@
           <a:p>
             <a:fld id="{33C37291-AA83-40C0-9297-8F7F3693F6CC}" type="datetimeFigureOut">
               <a:rPr lang="ko-KR" altLang="en-US" smtClean="0"/>
-              <a:t>2022-08-12</a:t>
+              <a:t>2022-08-28</a:t>
             </a:fld>
             <a:endParaRPr lang="ko-KR" altLang="en-US"/>
           </a:p>
@@ -2934,7 +2937,7 @@
           <a:p>
             <a:fld id="{33C37291-AA83-40C0-9297-8F7F3693F6CC}" type="datetimeFigureOut">
               <a:rPr lang="ko-KR" altLang="en-US" smtClean="0"/>
-              <a:t>2022-08-12</a:t>
+              <a:t>2022-08-28</a:t>
             </a:fld>
             <a:endParaRPr lang="ko-KR" altLang="en-US"/>
           </a:p>
@@ -12537,6 +12540,36 @@
           </a:p>
         </p:txBody>
       </p:sp>
+      <p:pic>
+        <p:nvPicPr>
+          <p:cNvPr id="4" name="그림 3">
+            <a:extLst>
+              <a:ext uri="{FF2B5EF4-FFF2-40B4-BE49-F238E27FC236}">
+                <a16:creationId xmlns:a16="http://schemas.microsoft.com/office/drawing/2014/main" id="{5F13682E-C817-3157-388B-75031506C334}"/>
+              </a:ext>
+            </a:extLst>
+          </p:cNvPr>
+          <p:cNvPicPr>
+            <a:picLocks noChangeAspect="1"/>
+          </p:cNvPicPr>
+          <p:nvPr/>
+        </p:nvPicPr>
+        <p:blipFill>
+          <a:blip r:embed="rId2"/>
+          <a:stretch>
+            <a:fillRect/>
+          </a:stretch>
+        </p:blipFill>
+        <p:spPr>
+          <a:xfrm>
+            <a:off x="141402" y="946018"/>
+            <a:ext cx="10614581" cy="5832764"/>
+          </a:xfrm>
+          <a:prstGeom prst="rect">
+            <a:avLst/>
+          </a:prstGeom>
+        </p:spPr>
+      </p:pic>
     </p:spTree>
     <p:extLst>
       <p:ext uri="{BB962C8B-B14F-4D97-AF65-F5344CB8AC3E}">
@@ -12640,11 +12673,46 @@
           <a:lstStyle/>
           <a:p>
             <a:r>
+              <a:rPr lang="ko-KR" altLang="en-US" dirty="0" err="1">
+                <a:latin typeface="나눔스퀘어 Light" panose="020B0600000101010101" pitchFamily="50" charset="-127"/>
+                <a:ea typeface="나눔스퀘어 Light" panose="020B0600000101010101" pitchFamily="50" charset="-127"/>
+              </a:rPr>
+              <a:t>팰린드롬</a:t>
+            </a:r>
+            <a:r>
               <a:rPr lang="ko-KR" altLang="en-US" dirty="0">
                 <a:latin typeface="나눔스퀘어 Light" panose="020B0600000101010101" pitchFamily="50" charset="-127"/>
                 <a:ea typeface="나눔스퀘어 Light" panose="020B0600000101010101" pitchFamily="50" charset="-127"/>
               </a:rPr>
-              <a:t>언어의 기본 입출력 기능을 잘 활용하면 될 듯 합니다</a:t>
+              <a:t> </a:t>
+            </a:r>
+            <a:r>
+              <a:rPr lang="en-US" altLang="ko-KR" dirty="0">
+                <a:latin typeface="나눔스퀘어 Light" panose="020B0600000101010101" pitchFamily="50" charset="-127"/>
+                <a:ea typeface="나눔스퀘어 Light" panose="020B0600000101010101" pitchFamily="50" charset="-127"/>
+              </a:rPr>
+              <a:t>: </a:t>
+            </a:r>
+            <a:r>
+              <a:rPr lang="ko-KR" altLang="en-US" dirty="0">
+                <a:latin typeface="나눔스퀘어 Light" panose="020B0600000101010101" pitchFamily="50" charset="-127"/>
+                <a:ea typeface="나눔스퀘어 Light" panose="020B0600000101010101" pitchFamily="50" charset="-127"/>
+              </a:rPr>
+              <a:t>앞 </a:t>
+            </a:r>
+            <a:r>
+              <a:rPr lang="en-US" altLang="ko-KR" dirty="0">
+                <a:latin typeface="나눔스퀘어 Light" panose="020B0600000101010101" pitchFamily="50" charset="-127"/>
+                <a:ea typeface="나눔스퀘어 Light" panose="020B0600000101010101" pitchFamily="50" charset="-127"/>
+              </a:rPr>
+              <a:t>/ </a:t>
+            </a:r>
+            <a:r>
+              <a:rPr lang="ko-KR" altLang="en-US" dirty="0">
+                <a:latin typeface="나눔스퀘어 Light" panose="020B0600000101010101" pitchFamily="50" charset="-127"/>
+                <a:ea typeface="나눔스퀘어 Light" panose="020B0600000101010101" pitchFamily="50" charset="-127"/>
+              </a:rPr>
+              <a:t>뒤로 읽어도 똑같은 문자열</a:t>
             </a:r>
           </a:p>
         </p:txBody>
@@ -12698,6 +12766,337 @@
           </a:p>
         </p:txBody>
       </p:sp>
+      <p:sp>
+        <p:nvSpPr>
+          <p:cNvPr id="4" name="TextBox 3">
+            <a:extLst>
+              <a:ext uri="{FF2B5EF4-FFF2-40B4-BE49-F238E27FC236}">
+                <a16:creationId xmlns:a16="http://schemas.microsoft.com/office/drawing/2014/main" id="{79CBB8AA-EE65-28B7-F38E-E6875732D8B6}"/>
+              </a:ext>
+            </a:extLst>
+          </p:cNvPr>
+          <p:cNvSpPr txBox="1"/>
+          <p:nvPr/>
+        </p:nvSpPr>
+        <p:spPr>
+          <a:xfrm>
+            <a:off x="942387" y="1559356"/>
+            <a:ext cx="8553305" cy="369332"/>
+          </a:xfrm>
+          <a:prstGeom prst="rect">
+            <a:avLst/>
+          </a:prstGeom>
+          <a:noFill/>
+        </p:spPr>
+        <p:txBody>
+          <a:bodyPr wrap="square" rtlCol="0">
+            <a:spAutoFit/>
+          </a:bodyPr>
+          <a:lstStyle/>
+          <a:p>
+            <a:r>
+              <a:rPr lang="ko-KR" altLang="en-US" dirty="0">
+                <a:latin typeface="나눔스퀘어 Light" panose="020B0600000101010101" pitchFamily="50" charset="-127"/>
+                <a:ea typeface="나눔스퀘어 Light" panose="020B0600000101010101" pitchFamily="50" charset="-127"/>
+              </a:rPr>
+              <a:t>어떻게 판별할 것인가</a:t>
+            </a:r>
+            <a:r>
+              <a:rPr lang="en-US" altLang="ko-KR" dirty="0">
+                <a:latin typeface="나눔스퀘어 Light" panose="020B0600000101010101" pitchFamily="50" charset="-127"/>
+                <a:ea typeface="나눔스퀘어 Light" panose="020B0600000101010101" pitchFamily="50" charset="-127"/>
+              </a:rPr>
+              <a:t>?</a:t>
+            </a:r>
+            <a:endParaRPr lang="ko-KR" altLang="en-US" dirty="0">
+              <a:latin typeface="나눔스퀘어 Light" panose="020B0600000101010101" pitchFamily="50" charset="-127"/>
+              <a:ea typeface="나눔스퀘어 Light" panose="020B0600000101010101" pitchFamily="50" charset="-127"/>
+            </a:endParaRPr>
+          </a:p>
+        </p:txBody>
+      </p:sp>
+      <p:sp>
+        <p:nvSpPr>
+          <p:cNvPr id="8" name="TextBox 7">
+            <a:extLst>
+              <a:ext uri="{FF2B5EF4-FFF2-40B4-BE49-F238E27FC236}">
+                <a16:creationId xmlns:a16="http://schemas.microsoft.com/office/drawing/2014/main" id="{B98BCE9E-187F-C792-6770-BD8A1FE79D69}"/>
+              </a:ext>
+            </a:extLst>
+          </p:cNvPr>
+          <p:cNvSpPr txBox="1"/>
+          <p:nvPr/>
+        </p:nvSpPr>
+        <p:spPr>
+          <a:xfrm>
+            <a:off x="942387" y="2303640"/>
+            <a:ext cx="8553305" cy="369332"/>
+          </a:xfrm>
+          <a:prstGeom prst="rect">
+            <a:avLst/>
+          </a:prstGeom>
+          <a:noFill/>
+        </p:spPr>
+        <p:txBody>
+          <a:bodyPr wrap="square" rtlCol="0">
+            <a:spAutoFit/>
+          </a:bodyPr>
+          <a:lstStyle/>
+          <a:p>
+            <a:r>
+              <a:rPr lang="ko-KR" altLang="en-US" dirty="0">
+                <a:latin typeface="나눔스퀘어 Light" panose="020B0600000101010101" pitchFamily="50" charset="-127"/>
+                <a:ea typeface="나눔스퀘어 Light" panose="020B0600000101010101" pitchFamily="50" charset="-127"/>
+              </a:rPr>
+              <a:t>문자열을 </a:t>
+            </a:r>
+            <a:r>
+              <a:rPr lang="ko-KR" altLang="en-US" dirty="0">
+                <a:latin typeface="나눔스퀘어 Bold" panose="020B0600000101010101" pitchFamily="50" charset="-127"/>
+                <a:ea typeface="나눔스퀘어 Bold" panose="020B0600000101010101" pitchFamily="50" charset="-127"/>
+              </a:rPr>
+              <a:t>복사</a:t>
+            </a:r>
+            <a:r>
+              <a:rPr lang="ko-KR" altLang="en-US" dirty="0">
+                <a:latin typeface="나눔스퀘어 Light" panose="020B0600000101010101" pitchFamily="50" charset="-127"/>
+                <a:ea typeface="나눔스퀘어 Light" panose="020B0600000101010101" pitchFamily="50" charset="-127"/>
+              </a:rPr>
+              <a:t>해서 </a:t>
+            </a:r>
+            <a:r>
+              <a:rPr lang="ko-KR" altLang="en-US" dirty="0">
+                <a:latin typeface="나눔스퀘어 Bold" panose="020B0600000101010101" pitchFamily="50" charset="-127"/>
+                <a:ea typeface="나눔스퀘어 Bold" panose="020B0600000101010101" pitchFamily="50" charset="-127"/>
+              </a:rPr>
+              <a:t>뒤집어</a:t>
+            </a:r>
+            <a:r>
+              <a:rPr lang="ko-KR" altLang="en-US" dirty="0">
+                <a:latin typeface="나눔스퀘어 Light" panose="020B0600000101010101" pitchFamily="50" charset="-127"/>
+                <a:ea typeface="나눔스퀘어 Light" panose="020B0600000101010101" pitchFamily="50" charset="-127"/>
+              </a:rPr>
+              <a:t>서 </a:t>
+            </a:r>
+            <a:r>
+              <a:rPr lang="ko-KR" altLang="en-US" dirty="0" err="1">
+                <a:latin typeface="나눔스퀘어 Bold" panose="020B0600000101010101" pitchFamily="50" charset="-127"/>
+                <a:ea typeface="나눔스퀘어 Bold" panose="020B0600000101010101" pitchFamily="50" charset="-127"/>
+              </a:rPr>
+              <a:t>똑같은지</a:t>
+            </a:r>
+            <a:r>
+              <a:rPr lang="ko-KR" altLang="en-US" dirty="0">
+                <a:latin typeface="나눔스퀘어 Bold" panose="020B0600000101010101" pitchFamily="50" charset="-127"/>
+                <a:ea typeface="나눔스퀘어 Bold" panose="020B0600000101010101" pitchFamily="50" charset="-127"/>
+              </a:rPr>
+              <a:t> 비교</a:t>
+            </a:r>
+            <a:r>
+              <a:rPr lang="ko-KR" altLang="en-US" dirty="0">
+                <a:latin typeface="나눔스퀘어 Light" panose="020B0600000101010101" pitchFamily="50" charset="-127"/>
+                <a:ea typeface="나눔스퀘어 Light" panose="020B0600000101010101" pitchFamily="50" charset="-127"/>
+              </a:rPr>
+              <a:t>하면 되지 않을까</a:t>
+            </a:r>
+            <a:r>
+              <a:rPr lang="en-US" altLang="ko-KR" dirty="0">
+                <a:latin typeface="나눔스퀘어 Light" panose="020B0600000101010101" pitchFamily="50" charset="-127"/>
+                <a:ea typeface="나눔스퀘어 Light" panose="020B0600000101010101" pitchFamily="50" charset="-127"/>
+              </a:rPr>
+              <a:t>?</a:t>
+            </a:r>
+            <a:endParaRPr lang="ko-KR" altLang="en-US" dirty="0">
+              <a:latin typeface="나눔스퀘어 Light" panose="020B0600000101010101" pitchFamily="50" charset="-127"/>
+              <a:ea typeface="나눔스퀘어 Light" panose="020B0600000101010101" pitchFamily="50" charset="-127"/>
+            </a:endParaRPr>
+          </a:p>
+        </p:txBody>
+      </p:sp>
+      <p:sp>
+        <p:nvSpPr>
+          <p:cNvPr id="9" name="TextBox 8">
+            <a:extLst>
+              <a:ext uri="{FF2B5EF4-FFF2-40B4-BE49-F238E27FC236}">
+                <a16:creationId xmlns:a16="http://schemas.microsoft.com/office/drawing/2014/main" id="{692B841D-F4FE-2E43-15D6-8FE4B3539821}"/>
+              </a:ext>
+            </a:extLst>
+          </p:cNvPr>
+          <p:cNvSpPr txBox="1"/>
+          <p:nvPr/>
+        </p:nvSpPr>
+        <p:spPr>
+          <a:xfrm>
+            <a:off x="942387" y="2678592"/>
+            <a:ext cx="8553305" cy="369332"/>
+          </a:xfrm>
+          <a:prstGeom prst="rect">
+            <a:avLst/>
+          </a:prstGeom>
+          <a:noFill/>
+        </p:spPr>
+        <p:txBody>
+          <a:bodyPr wrap="square" rtlCol="0">
+            <a:spAutoFit/>
+          </a:bodyPr>
+          <a:lstStyle/>
+          <a:p>
+            <a:r>
+              <a:rPr lang="ko-KR" altLang="en-US" dirty="0">
+                <a:latin typeface="나눔스퀘어 Light" panose="020B0600000101010101" pitchFamily="50" charset="-127"/>
+                <a:ea typeface="나눔스퀘어 Light" panose="020B0600000101010101" pitchFamily="50" charset="-127"/>
+              </a:rPr>
+              <a:t>어떻게 뒤집을 것인가</a:t>
+            </a:r>
+            <a:r>
+              <a:rPr lang="en-US" altLang="ko-KR" dirty="0">
+                <a:latin typeface="나눔스퀘어 Light" panose="020B0600000101010101" pitchFamily="50" charset="-127"/>
+                <a:ea typeface="나눔스퀘어 Light" panose="020B0600000101010101" pitchFamily="50" charset="-127"/>
+              </a:rPr>
+              <a:t>?</a:t>
+            </a:r>
+            <a:endParaRPr lang="ko-KR" altLang="en-US" dirty="0">
+              <a:latin typeface="나눔스퀘어 Light" panose="020B0600000101010101" pitchFamily="50" charset="-127"/>
+              <a:ea typeface="나눔스퀘어 Light" panose="020B0600000101010101" pitchFamily="50" charset="-127"/>
+            </a:endParaRPr>
+          </a:p>
+        </p:txBody>
+      </p:sp>
+      <p:sp>
+        <p:nvSpPr>
+          <p:cNvPr id="10" name="TextBox 9">
+            <a:extLst>
+              <a:ext uri="{FF2B5EF4-FFF2-40B4-BE49-F238E27FC236}">
+                <a16:creationId xmlns:a16="http://schemas.microsoft.com/office/drawing/2014/main" id="{D86876BB-FB6B-F36E-4A82-97C94005A193}"/>
+              </a:ext>
+            </a:extLst>
+          </p:cNvPr>
+          <p:cNvSpPr txBox="1"/>
+          <p:nvPr/>
+        </p:nvSpPr>
+        <p:spPr>
+          <a:xfrm>
+            <a:off x="942387" y="3429000"/>
+            <a:ext cx="8553305" cy="369332"/>
+          </a:xfrm>
+          <a:prstGeom prst="rect">
+            <a:avLst/>
+          </a:prstGeom>
+          <a:noFill/>
+        </p:spPr>
+        <p:txBody>
+          <a:bodyPr wrap="square" rtlCol="0">
+            <a:spAutoFit/>
+          </a:bodyPr>
+          <a:lstStyle/>
+          <a:p>
+            <a:r>
+              <a:rPr lang="ko-KR" altLang="en-US" dirty="0">
+                <a:latin typeface="나눔스퀘어 Light" panose="020B0600000101010101" pitchFamily="50" charset="-127"/>
+                <a:ea typeface="나눔스퀘어 Light" panose="020B0600000101010101" pitchFamily="50" charset="-127"/>
+              </a:rPr>
+              <a:t>여러 언어 들에서는 문자열 </a:t>
+            </a:r>
+            <a:r>
+              <a:rPr lang="en-US" altLang="ko-KR" dirty="0">
+                <a:latin typeface="나눔스퀘어 Light" panose="020B0600000101010101" pitchFamily="50" charset="-127"/>
+                <a:ea typeface="나눔스퀘어 Light" panose="020B0600000101010101" pitchFamily="50" charset="-127"/>
+              </a:rPr>
+              <a:t>/ </a:t>
+            </a:r>
+            <a:r>
+              <a:rPr lang="ko-KR" altLang="en-US" dirty="0">
+                <a:latin typeface="나눔스퀘어 Light" panose="020B0600000101010101" pitchFamily="50" charset="-127"/>
+                <a:ea typeface="나눔스퀘어 Light" panose="020B0600000101010101" pitchFamily="50" charset="-127"/>
+              </a:rPr>
+              <a:t>배열을 뒤집는 내장 함수를 제공하고 있습니다</a:t>
+            </a:r>
+            <a:r>
+              <a:rPr lang="en-US" altLang="ko-KR" dirty="0">
+                <a:latin typeface="나눔스퀘어 Light" panose="020B0600000101010101" pitchFamily="50" charset="-127"/>
+                <a:ea typeface="나눔스퀘어 Light" panose="020B0600000101010101" pitchFamily="50" charset="-127"/>
+              </a:rPr>
+              <a:t>.</a:t>
+            </a:r>
+            <a:endParaRPr lang="ko-KR" altLang="en-US" dirty="0">
+              <a:latin typeface="나눔스퀘어 Light" panose="020B0600000101010101" pitchFamily="50" charset="-127"/>
+              <a:ea typeface="나눔스퀘어 Light" panose="020B0600000101010101" pitchFamily="50" charset="-127"/>
+            </a:endParaRPr>
+          </a:p>
+        </p:txBody>
+      </p:sp>
+      <p:sp>
+        <p:nvSpPr>
+          <p:cNvPr id="11" name="TextBox 10">
+            <a:extLst>
+              <a:ext uri="{FF2B5EF4-FFF2-40B4-BE49-F238E27FC236}">
+                <a16:creationId xmlns:a16="http://schemas.microsoft.com/office/drawing/2014/main" id="{CF1395B3-D15C-A51A-2D1E-903B408079BC}"/>
+              </a:ext>
+            </a:extLst>
+          </p:cNvPr>
+          <p:cNvSpPr txBox="1"/>
+          <p:nvPr/>
+        </p:nvSpPr>
+        <p:spPr>
+          <a:xfrm>
+            <a:off x="942387" y="3994742"/>
+            <a:ext cx="9945572" cy="369332"/>
+          </a:xfrm>
+          <a:prstGeom prst="rect">
+            <a:avLst/>
+          </a:prstGeom>
+          <a:noFill/>
+        </p:spPr>
+        <p:txBody>
+          <a:bodyPr wrap="square" rtlCol="0">
+            <a:spAutoFit/>
+          </a:bodyPr>
+          <a:lstStyle/>
+          <a:p>
+            <a:r>
+              <a:rPr lang="en-US" altLang="ko-KR" dirty="0">
+                <a:latin typeface="나눔스퀘어 Bold" panose="020B0600000101010101" pitchFamily="50" charset="-127"/>
+                <a:ea typeface="나눔스퀘어 Bold" panose="020B0600000101010101" pitchFamily="50" charset="-127"/>
+              </a:rPr>
+              <a:t>C++</a:t>
+            </a:r>
+            <a:endParaRPr lang="ko-KR" altLang="en-US" dirty="0">
+              <a:latin typeface="나눔스퀘어 Light" panose="020B0600000101010101" pitchFamily="50" charset="-127"/>
+              <a:ea typeface="나눔스퀘어 Light" panose="020B0600000101010101" pitchFamily="50" charset="-127"/>
+            </a:endParaRPr>
+          </a:p>
+        </p:txBody>
+      </p:sp>
+      <p:pic>
+        <p:nvPicPr>
+          <p:cNvPr id="13" name="그림 12">
+            <a:extLst>
+              <a:ext uri="{FF2B5EF4-FFF2-40B4-BE49-F238E27FC236}">
+                <a16:creationId xmlns:a16="http://schemas.microsoft.com/office/drawing/2014/main" id="{BA5989A9-F2D6-D360-6B62-324729E3E0BB}"/>
+              </a:ext>
+            </a:extLst>
+          </p:cNvPr>
+          <p:cNvPicPr>
+            <a:picLocks noChangeAspect="1"/>
+          </p:cNvPicPr>
+          <p:nvPr/>
+        </p:nvPicPr>
+        <p:blipFill>
+          <a:blip r:embed="rId2"/>
+          <a:stretch>
+            <a:fillRect/>
+          </a:stretch>
+        </p:blipFill>
+        <p:spPr>
+          <a:xfrm>
+            <a:off x="942387" y="4397465"/>
+            <a:ext cx="3931271" cy="2364461"/>
+          </a:xfrm>
+          <a:prstGeom prst="rect">
+            <a:avLst/>
+          </a:prstGeom>
+        </p:spPr>
+      </p:pic>
     </p:spTree>
     <p:extLst>
       <p:ext uri="{BB962C8B-B14F-4D97-AF65-F5344CB8AC3E}">
@@ -12774,10 +13173,10 @@
       </p:cxnSp>
       <p:sp>
         <p:nvSpPr>
-          <p:cNvPr id="6" name="TextBox 5">
-            <a:extLst>
-              <a:ext uri="{FF2B5EF4-FFF2-40B4-BE49-F238E27FC236}">
-                <a16:creationId xmlns:a16="http://schemas.microsoft.com/office/drawing/2014/main" id="{908ED9B9-09D3-CFA8-625A-6F9BB9B6BD23}"/>
+          <p:cNvPr id="2" name="TextBox 1">
+            <a:extLst>
+              <a:ext uri="{FF2B5EF4-FFF2-40B4-BE49-F238E27FC236}">
+                <a16:creationId xmlns:a16="http://schemas.microsoft.com/office/drawing/2014/main" id="{4781D976-9F91-FBCA-AC28-6CB61B5FCA94}"/>
               </a:ext>
             </a:extLst>
           </p:cNvPr>
@@ -12787,7 +13186,7 @@
         <p:spPr>
           <a:xfrm>
             <a:off x="331694" y="177505"/>
-            <a:ext cx="2006190" cy="523220"/>
+            <a:ext cx="4152099" cy="523220"/>
           </a:xfrm>
           <a:prstGeom prst="rect">
             <a:avLst/>
@@ -12805,7 +13204,14 @@
                 <a:latin typeface="나눔스퀘어 Bold" panose="020B0600000101010101" pitchFamily="50" charset="-127"/>
                 <a:ea typeface="나눔스퀘어 Bold" panose="020B0600000101010101" pitchFamily="50" charset="-127"/>
               </a:rPr>
-              <a:t>Homework</a:t>
+              <a:t>String – 1259 </a:t>
+            </a:r>
+            <a:r>
+              <a:rPr lang="ko-KR" altLang="en-US" sz="2800" dirty="0" err="1">
+                <a:latin typeface="나눔스퀘어 Bold" panose="020B0600000101010101" pitchFamily="50" charset="-127"/>
+                <a:ea typeface="나눔스퀘어 Bold" panose="020B0600000101010101" pitchFamily="50" charset="-127"/>
+              </a:rPr>
+              <a:t>팰린드롬수</a:t>
             </a:r>
             <a:endParaRPr lang="ko-KR" altLang="en-US" sz="2800" dirty="0">
               <a:latin typeface="나눔스퀘어 Bold" panose="020B0600000101010101" pitchFamily="50" charset="-127"/>
@@ -12816,10 +13222,10 @@
       </p:sp>
       <p:sp>
         <p:nvSpPr>
-          <p:cNvPr id="7" name="TextBox 6">
-            <a:extLst>
-              <a:ext uri="{FF2B5EF4-FFF2-40B4-BE49-F238E27FC236}">
-                <a16:creationId xmlns:a16="http://schemas.microsoft.com/office/drawing/2014/main" id="{DD092523-43DA-0A5F-0C04-8239F4BF07FC}"/>
+          <p:cNvPr id="11" name="TextBox 10">
+            <a:extLst>
+              <a:ext uri="{FF2B5EF4-FFF2-40B4-BE49-F238E27FC236}">
+                <a16:creationId xmlns:a16="http://schemas.microsoft.com/office/drawing/2014/main" id="{CF1395B3-D15C-A51A-2D1E-903B408079BC}"/>
               </a:ext>
             </a:extLst>
           </p:cNvPr>
@@ -12828,8 +13234,8 @@
         </p:nvSpPr>
         <p:spPr>
           <a:xfrm>
-            <a:off x="942387" y="1661364"/>
-            <a:ext cx="8553305" cy="369332"/>
+            <a:off x="942387" y="1074286"/>
+            <a:ext cx="9945572" cy="369332"/>
           </a:xfrm>
           <a:prstGeom prst="rect">
             <a:avLst/>
@@ -12844,27 +13250,24 @@
           <a:p>
             <a:r>
               <a:rPr lang="en-US" altLang="ko-KR" dirty="0">
-                <a:latin typeface="나눔스퀘어 Light" panose="020B0600000101010101" pitchFamily="50" charset="-127"/>
-                <a:ea typeface="나눔스퀘어 Light" panose="020B0600000101010101" pitchFamily="50" charset="-127"/>
-              </a:rPr>
-              <a:t>1. 2743 </a:t>
-            </a:r>
-            <a:r>
-              <a:rPr lang="ko-KR" altLang="en-US" dirty="0">
-                <a:latin typeface="나눔스퀘어 Light" panose="020B0600000101010101" pitchFamily="50" charset="-127"/>
-                <a:ea typeface="나눔스퀘어 Light" panose="020B0600000101010101" pitchFamily="50" charset="-127"/>
-              </a:rPr>
-              <a:t>단어 길이 재기</a:t>
-            </a:r>
-          </a:p>
-        </p:txBody>
-      </p:sp>
-      <p:sp>
-        <p:nvSpPr>
-          <p:cNvPr id="8" name="TextBox 7">
-            <a:extLst>
-              <a:ext uri="{FF2B5EF4-FFF2-40B4-BE49-F238E27FC236}">
-                <a16:creationId xmlns:a16="http://schemas.microsoft.com/office/drawing/2014/main" id="{80045CCB-6E92-45F3-05E2-D9718BBAEE86}"/>
+                <a:latin typeface="나눔스퀘어 Bold" panose="020B0600000101010101" pitchFamily="50" charset="-127"/>
+                <a:ea typeface="나눔스퀘어 Bold" panose="020B0600000101010101" pitchFamily="50" charset="-127"/>
+              </a:rPr>
+              <a:t>Python</a:t>
+            </a:r>
+            <a:endParaRPr lang="ko-KR" altLang="en-US" dirty="0">
+              <a:latin typeface="나눔스퀘어 Light" panose="020B0600000101010101" pitchFamily="50" charset="-127"/>
+              <a:ea typeface="나눔스퀘어 Light" panose="020B0600000101010101" pitchFamily="50" charset="-127"/>
+            </a:endParaRPr>
+          </a:p>
+        </p:txBody>
+      </p:sp>
+      <p:sp>
+        <p:nvSpPr>
+          <p:cNvPr id="3" name="TextBox 2">
+            <a:extLst>
+              <a:ext uri="{FF2B5EF4-FFF2-40B4-BE49-F238E27FC236}">
+                <a16:creationId xmlns:a16="http://schemas.microsoft.com/office/drawing/2014/main" id="{753508C8-C00B-A61E-2CAF-FD083CABB559}"/>
               </a:ext>
             </a:extLst>
           </p:cNvPr>
@@ -12873,8 +13276,8 @@
         </p:nvSpPr>
         <p:spPr>
           <a:xfrm>
-            <a:off x="942387" y="2030696"/>
-            <a:ext cx="8553305" cy="369332"/>
+            <a:off x="942387" y="2782669"/>
+            <a:ext cx="9945572" cy="646331"/>
           </a:xfrm>
           <a:prstGeom prst="rect">
             <a:avLst/>
@@ -12889,27 +13292,142 @@
           <a:p>
             <a:r>
               <a:rPr lang="en-US" altLang="ko-KR" dirty="0">
-                <a:latin typeface="나눔스퀘어 Light" panose="020B0600000101010101" pitchFamily="50" charset="-127"/>
-                <a:ea typeface="나눔스퀘어 Light" panose="020B0600000101010101" pitchFamily="50" charset="-127"/>
-              </a:rPr>
-              <a:t>2. 2744 </a:t>
+                <a:latin typeface="나눔스퀘어 Bold" panose="020B0600000101010101" pitchFamily="50" charset="-127"/>
+                <a:ea typeface="나눔스퀘어 Bold" panose="020B0600000101010101" pitchFamily="50" charset="-127"/>
+              </a:rPr>
+              <a:t>Java</a:t>
             </a:r>
             <a:r>
               <a:rPr lang="ko-KR" altLang="en-US" dirty="0">
                 <a:latin typeface="나눔스퀘어 Light" panose="020B0600000101010101" pitchFamily="50" charset="-127"/>
                 <a:ea typeface="나눔스퀘어 Light" panose="020B0600000101010101" pitchFamily="50" charset="-127"/>
               </a:rPr>
-              <a:t>대소문자 바꾸기</a:t>
-            </a:r>
-          </a:p>
-        </p:txBody>
-      </p:sp>
-      <p:sp>
-        <p:nvSpPr>
-          <p:cNvPr id="9" name="TextBox 8">
-            <a:extLst>
-              <a:ext uri="{FF2B5EF4-FFF2-40B4-BE49-F238E27FC236}">
-                <a16:creationId xmlns:a16="http://schemas.microsoft.com/office/drawing/2014/main" id="{F3F091EF-3E70-16E8-983D-D9C14C2EAD61}"/>
+              <a:t>의 경우에는 </a:t>
+            </a:r>
+            <a:r>
+              <a:rPr lang="en-US" altLang="ko-KR" dirty="0">
+                <a:latin typeface="나눔스퀘어 Light" panose="020B0600000101010101" pitchFamily="50" charset="-127"/>
+                <a:ea typeface="나눔스퀘어 Light" panose="020B0600000101010101" pitchFamily="50" charset="-127"/>
+              </a:rPr>
+              <a:t>String </a:t>
+            </a:r>
+            <a:r>
+              <a:rPr lang="ko-KR" altLang="en-US" dirty="0">
+                <a:latin typeface="나눔스퀘어 Light" panose="020B0600000101010101" pitchFamily="50" charset="-127"/>
+                <a:ea typeface="나눔스퀘어 Light" panose="020B0600000101010101" pitchFamily="50" charset="-127"/>
+              </a:rPr>
+              <a:t>클래스에 바로 </a:t>
+            </a:r>
+            <a:r>
+              <a:rPr lang="en-US" altLang="ko-KR" dirty="0">
+                <a:latin typeface="나눔스퀘어 Light" panose="020B0600000101010101" pitchFamily="50" charset="-127"/>
+                <a:ea typeface="나눔스퀘어 Light" panose="020B0600000101010101" pitchFamily="50" charset="-127"/>
+              </a:rPr>
+              <a:t>reverse() </a:t>
+            </a:r>
+            <a:r>
+              <a:rPr lang="ko-KR" altLang="en-US" dirty="0">
+                <a:latin typeface="나눔스퀘어 Light" panose="020B0600000101010101" pitchFamily="50" charset="-127"/>
+                <a:ea typeface="나눔스퀘어 Light" panose="020B0600000101010101" pitchFamily="50" charset="-127"/>
+              </a:rPr>
+              <a:t>메서드가 있진 않기 때문에</a:t>
+            </a:r>
+            <a:r>
+              <a:rPr lang="en-US" altLang="ko-KR" dirty="0">
+                <a:latin typeface="나눔스퀘어 Light" panose="020B0600000101010101" pitchFamily="50" charset="-127"/>
+                <a:ea typeface="나눔스퀘어 Light" panose="020B0600000101010101" pitchFamily="50" charset="-127"/>
+              </a:rPr>
+              <a:t>,</a:t>
+            </a:r>
+          </a:p>
+          <a:p>
+            <a:r>
+              <a:rPr lang="ko-KR" altLang="en-US" dirty="0">
+                <a:latin typeface="나눔스퀘어 Light" panose="020B0600000101010101" pitchFamily="50" charset="-127"/>
+                <a:ea typeface="나눔스퀘어 Light" panose="020B0600000101010101" pitchFamily="50" charset="-127"/>
+              </a:rPr>
+              <a:t>이를 구현하는 방법이 매우 다양합니다</a:t>
+            </a:r>
+            <a:r>
+              <a:rPr lang="en-US" altLang="ko-KR" dirty="0">
+                <a:latin typeface="나눔스퀘어 Light" panose="020B0600000101010101" pitchFamily="50" charset="-127"/>
+                <a:ea typeface="나눔스퀘어 Light" panose="020B0600000101010101" pitchFamily="50" charset="-127"/>
+              </a:rPr>
+              <a:t>.</a:t>
+            </a:r>
+            <a:endParaRPr lang="ko-KR" altLang="en-US" dirty="0">
+              <a:latin typeface="나눔스퀘어 Light" panose="020B0600000101010101" pitchFamily="50" charset="-127"/>
+              <a:ea typeface="나눔스퀘어 Light" panose="020B0600000101010101" pitchFamily="50" charset="-127"/>
+            </a:endParaRPr>
+          </a:p>
+        </p:txBody>
+      </p:sp>
+      <p:pic>
+        <p:nvPicPr>
+          <p:cNvPr id="12" name="그림 11">
+            <a:extLst>
+              <a:ext uri="{FF2B5EF4-FFF2-40B4-BE49-F238E27FC236}">
+                <a16:creationId xmlns:a16="http://schemas.microsoft.com/office/drawing/2014/main" id="{1B3EA27E-A084-FC2E-DB05-2B8C0BAA9CF5}"/>
+              </a:ext>
+            </a:extLst>
+          </p:cNvPr>
+          <p:cNvPicPr>
+            <a:picLocks noChangeAspect="1"/>
+          </p:cNvPicPr>
+          <p:nvPr/>
+        </p:nvPicPr>
+        <p:blipFill>
+          <a:blip r:embed="rId2"/>
+          <a:stretch>
+            <a:fillRect/>
+          </a:stretch>
+        </p:blipFill>
+        <p:spPr>
+          <a:xfrm>
+            <a:off x="942387" y="3428999"/>
+            <a:ext cx="5590388" cy="2611221"/>
+          </a:xfrm>
+          <a:prstGeom prst="rect">
+            <a:avLst/>
+          </a:prstGeom>
+        </p:spPr>
+      </p:pic>
+      <p:pic>
+        <p:nvPicPr>
+          <p:cNvPr id="15" name="그림 14">
+            <a:extLst>
+              <a:ext uri="{FF2B5EF4-FFF2-40B4-BE49-F238E27FC236}">
+                <a16:creationId xmlns:a16="http://schemas.microsoft.com/office/drawing/2014/main" id="{4CE77B8E-1E3B-1B9B-837F-3EF6A05200FF}"/>
+              </a:ext>
+            </a:extLst>
+          </p:cNvPr>
+          <p:cNvPicPr>
+            <a:picLocks noChangeAspect="1"/>
+          </p:cNvPicPr>
+          <p:nvPr/>
+        </p:nvPicPr>
+        <p:blipFill>
+          <a:blip r:embed="rId3"/>
+          <a:stretch>
+            <a:fillRect/>
+          </a:stretch>
+        </p:blipFill>
+        <p:spPr>
+          <a:xfrm>
+            <a:off x="942387" y="1441261"/>
+            <a:ext cx="2704907" cy="785296"/>
+          </a:xfrm>
+          <a:prstGeom prst="rect">
+            <a:avLst/>
+          </a:prstGeom>
+        </p:spPr>
+      </p:pic>
+      <p:sp>
+        <p:nvSpPr>
+          <p:cNvPr id="16" name="TextBox 15">
+            <a:extLst>
+              <a:ext uri="{FF2B5EF4-FFF2-40B4-BE49-F238E27FC236}">
+                <a16:creationId xmlns:a16="http://schemas.microsoft.com/office/drawing/2014/main" id="{97034788-6928-5089-6EB8-DD2FD8C5B383}"/>
               </a:ext>
             </a:extLst>
           </p:cNvPr>
@@ -12918,8 +13436,8 @@
         </p:nvSpPr>
         <p:spPr>
           <a:xfrm>
-            <a:off x="942387" y="1190024"/>
-            <a:ext cx="8553305" cy="369332"/>
+            <a:off x="6862420" y="3811279"/>
+            <a:ext cx="4699856" cy="923330"/>
           </a:xfrm>
           <a:prstGeom prst="rect">
             <a:avLst/>
@@ -12932,6 +13450,941 @@
           </a:bodyPr>
           <a:lstStyle/>
           <a:p>
+            <a:pPr marL="342900" indent="-342900">
+              <a:buAutoNum type="arabicPeriod"/>
+            </a:pPr>
+            <a:r>
+              <a:rPr lang="en-US" altLang="ko-KR" dirty="0">
+                <a:latin typeface="나눔스퀘어 Light" panose="020B0600000101010101" pitchFamily="50" charset="-127"/>
+                <a:ea typeface="나눔스퀘어 Light" panose="020B0600000101010101" pitchFamily="50" charset="-127"/>
+              </a:rPr>
+              <a:t>StringBuilder / </a:t>
+            </a:r>
+            <a:r>
+              <a:rPr lang="en-US" altLang="ko-KR" dirty="0" err="1">
+                <a:latin typeface="나눔스퀘어 Light" panose="020B0600000101010101" pitchFamily="50" charset="-127"/>
+                <a:ea typeface="나눔스퀘어 Light" panose="020B0600000101010101" pitchFamily="50" charset="-127"/>
+              </a:rPr>
+              <a:t>StringBuffer</a:t>
+            </a:r>
+            <a:r>
+              <a:rPr lang="ko-KR" altLang="en-US" dirty="0">
+                <a:latin typeface="나눔스퀘어 Light" panose="020B0600000101010101" pitchFamily="50" charset="-127"/>
+                <a:ea typeface="나눔스퀘어 Light" panose="020B0600000101010101" pitchFamily="50" charset="-127"/>
+              </a:rPr>
+              <a:t>의 </a:t>
+            </a:r>
+            <a:r>
+              <a:rPr lang="en-US" altLang="ko-KR" dirty="0">
+                <a:latin typeface="나눔스퀘어 Light" panose="020B0600000101010101" pitchFamily="50" charset="-127"/>
+                <a:ea typeface="나눔스퀘어 Light" panose="020B0600000101010101" pitchFamily="50" charset="-127"/>
+              </a:rPr>
+              <a:t>.reverse() </a:t>
+            </a:r>
+            <a:r>
+              <a:rPr lang="ko-KR" altLang="en-US" dirty="0">
+                <a:latin typeface="나눔스퀘어 Light" panose="020B0600000101010101" pitchFamily="50" charset="-127"/>
+                <a:ea typeface="나눔스퀘어 Light" panose="020B0600000101010101" pitchFamily="50" charset="-127"/>
+              </a:rPr>
+              <a:t>메서드 사용</a:t>
+            </a:r>
+            <a:endParaRPr lang="en-US" altLang="ko-KR" dirty="0">
+              <a:latin typeface="나눔스퀘어 Light" panose="020B0600000101010101" pitchFamily="50" charset="-127"/>
+              <a:ea typeface="나눔스퀘어 Light" panose="020B0600000101010101" pitchFamily="50" charset="-127"/>
+            </a:endParaRPr>
+          </a:p>
+          <a:p>
+            <a:pPr marL="342900" indent="-342900">
+              <a:buAutoNum type="arabicPeriod"/>
+            </a:pPr>
+            <a:r>
+              <a:rPr lang="en-US" altLang="ko-KR" dirty="0">
+                <a:latin typeface="나눔스퀘어 Light" panose="020B0600000101010101" pitchFamily="50" charset="-127"/>
+                <a:ea typeface="나눔스퀘어 Light" panose="020B0600000101010101" pitchFamily="50" charset="-127"/>
+              </a:rPr>
+              <a:t>Collections </a:t>
+            </a:r>
+            <a:r>
+              <a:rPr lang="ko-KR" altLang="en-US" dirty="0">
+                <a:latin typeface="나눔스퀘어 Light" panose="020B0600000101010101" pitchFamily="50" charset="-127"/>
+                <a:ea typeface="나눔스퀘어 Light" panose="020B0600000101010101" pitchFamily="50" charset="-127"/>
+              </a:rPr>
+              <a:t>클래스의 </a:t>
+            </a:r>
+            <a:r>
+              <a:rPr lang="en-US" altLang="ko-KR" dirty="0">
+                <a:latin typeface="나눔스퀘어 Light" panose="020B0600000101010101" pitchFamily="50" charset="-127"/>
+                <a:ea typeface="나눔스퀘어 Light" panose="020B0600000101010101" pitchFamily="50" charset="-127"/>
+              </a:rPr>
+              <a:t>.reverse(List);</a:t>
+            </a:r>
+            <a:endParaRPr lang="ko-KR" altLang="en-US" dirty="0">
+              <a:latin typeface="나눔스퀘어 Light" panose="020B0600000101010101" pitchFamily="50" charset="-127"/>
+              <a:ea typeface="나눔스퀘어 Light" panose="020B0600000101010101" pitchFamily="50" charset="-127"/>
+            </a:endParaRPr>
+          </a:p>
+        </p:txBody>
+      </p:sp>
+    </p:spTree>
+    <p:extLst>
+      <p:ext uri="{BB962C8B-B14F-4D97-AF65-F5344CB8AC3E}">
+        <p14:creationId xmlns:p14="http://schemas.microsoft.com/office/powerpoint/2010/main" val="3398312208"/>
+      </p:ext>
+    </p:extLst>
+  </p:cSld>
+  <p:clrMapOvr>
+    <a:masterClrMapping/>
+  </p:clrMapOvr>
+</p:sld>
+</file>
+
+<file path=ppt/slides/slide27.xml><?xml version="1.0" encoding="utf-8"?>
+<p:sld xmlns:a="http://schemas.openxmlformats.org/drawingml/2006/main" xmlns:r="http://schemas.openxmlformats.org/officeDocument/2006/relationships" xmlns:p="http://schemas.openxmlformats.org/presentationml/2006/main">
+  <p:cSld>
+    <p:spTree>
+      <p:nvGrpSpPr>
+        <p:cNvPr id="1" name=""/>
+        <p:cNvGrpSpPr/>
+        <p:nvPr/>
+      </p:nvGrpSpPr>
+      <p:grpSpPr>
+        <a:xfrm>
+          <a:off x="0" y="0"/>
+          <a:ext cx="0" cy="0"/>
+          <a:chOff x="0" y="0"/>
+          <a:chExt cx="0" cy="0"/>
+        </a:xfrm>
+      </p:grpSpPr>
+      <p:cxnSp>
+        <p:nvCxnSpPr>
+          <p:cNvPr id="5" name="직선 연결선 4">
+            <a:extLst>
+              <a:ext uri="{FF2B5EF4-FFF2-40B4-BE49-F238E27FC236}">
+                <a16:creationId xmlns:a16="http://schemas.microsoft.com/office/drawing/2014/main" id="{164C2827-EFCE-69A4-D037-1A218415F568}"/>
+              </a:ext>
+            </a:extLst>
+          </p:cNvPr>
+          <p:cNvCxnSpPr/>
+          <p:nvPr/>
+        </p:nvCxnSpPr>
+        <p:spPr>
+          <a:xfrm>
+            <a:off x="0" y="887505"/>
+            <a:ext cx="10237694" cy="0"/>
+          </a:xfrm>
+          <a:prstGeom prst="line">
+            <a:avLst/>
+          </a:prstGeom>
+          <a:ln w="76200">
+            <a:solidFill>
+              <a:schemeClr val="tx1">
+                <a:lumMod val="75000"/>
+                <a:lumOff val="25000"/>
+              </a:schemeClr>
+            </a:solidFill>
+          </a:ln>
+        </p:spPr>
+        <p:style>
+          <a:lnRef idx="1">
+            <a:schemeClr val="accent1"/>
+          </a:lnRef>
+          <a:fillRef idx="0">
+            <a:schemeClr val="accent1"/>
+          </a:fillRef>
+          <a:effectRef idx="0">
+            <a:schemeClr val="accent1"/>
+          </a:effectRef>
+          <a:fontRef idx="minor">
+            <a:schemeClr val="tx1"/>
+          </a:fontRef>
+        </p:style>
+      </p:cxnSp>
+      <p:sp>
+        <p:nvSpPr>
+          <p:cNvPr id="2" name="TextBox 1">
+            <a:extLst>
+              <a:ext uri="{FF2B5EF4-FFF2-40B4-BE49-F238E27FC236}">
+                <a16:creationId xmlns:a16="http://schemas.microsoft.com/office/drawing/2014/main" id="{4781D976-9F91-FBCA-AC28-6CB61B5FCA94}"/>
+              </a:ext>
+            </a:extLst>
+          </p:cNvPr>
+          <p:cNvSpPr txBox="1"/>
+          <p:nvPr/>
+        </p:nvSpPr>
+        <p:spPr>
+          <a:xfrm>
+            <a:off x="331694" y="177505"/>
+            <a:ext cx="4152099" cy="523220"/>
+          </a:xfrm>
+          <a:prstGeom prst="rect">
+            <a:avLst/>
+          </a:prstGeom>
+          <a:noFill/>
+        </p:spPr>
+        <p:txBody>
+          <a:bodyPr wrap="none" rtlCol="0">
+            <a:spAutoFit/>
+          </a:bodyPr>
+          <a:lstStyle/>
+          <a:p>
+            <a:r>
+              <a:rPr lang="en-US" altLang="ko-KR" sz="2800" dirty="0">
+                <a:latin typeface="나눔스퀘어 Bold" panose="020B0600000101010101" pitchFamily="50" charset="-127"/>
+                <a:ea typeface="나눔스퀘어 Bold" panose="020B0600000101010101" pitchFamily="50" charset="-127"/>
+              </a:rPr>
+              <a:t>String – 1259 </a:t>
+            </a:r>
+            <a:r>
+              <a:rPr lang="ko-KR" altLang="en-US" sz="2800" dirty="0" err="1">
+                <a:latin typeface="나눔스퀘어 Bold" panose="020B0600000101010101" pitchFamily="50" charset="-127"/>
+                <a:ea typeface="나눔스퀘어 Bold" panose="020B0600000101010101" pitchFamily="50" charset="-127"/>
+              </a:rPr>
+              <a:t>팰린드롬수</a:t>
+            </a:r>
+            <a:endParaRPr lang="ko-KR" altLang="en-US" sz="2800" dirty="0">
+              <a:latin typeface="나눔스퀘어 Bold" panose="020B0600000101010101" pitchFamily="50" charset="-127"/>
+              <a:ea typeface="나눔스퀘어 Bold" panose="020B0600000101010101" pitchFamily="50" charset="-127"/>
+            </a:endParaRPr>
+          </a:p>
+        </p:txBody>
+      </p:sp>
+      <p:sp>
+        <p:nvSpPr>
+          <p:cNvPr id="3" name="TextBox 2">
+            <a:extLst>
+              <a:ext uri="{FF2B5EF4-FFF2-40B4-BE49-F238E27FC236}">
+                <a16:creationId xmlns:a16="http://schemas.microsoft.com/office/drawing/2014/main" id="{753508C8-C00B-A61E-2CAF-FD083CABB559}"/>
+              </a:ext>
+            </a:extLst>
+          </p:cNvPr>
+          <p:cNvSpPr txBox="1"/>
+          <p:nvPr/>
+        </p:nvSpPr>
+        <p:spPr>
+          <a:xfrm>
+            <a:off x="942387" y="1230533"/>
+            <a:ext cx="9945572" cy="369332"/>
+          </a:xfrm>
+          <a:prstGeom prst="rect">
+            <a:avLst/>
+          </a:prstGeom>
+          <a:noFill/>
+        </p:spPr>
+        <p:txBody>
+          <a:bodyPr wrap="square" rtlCol="0">
+            <a:spAutoFit/>
+          </a:bodyPr>
+          <a:lstStyle/>
+          <a:p>
+            <a:r>
+              <a:rPr lang="en-US" altLang="ko-KR" dirty="0">
+                <a:latin typeface="나눔스퀘어 Bold" panose="020B0600000101010101" pitchFamily="50" charset="-127"/>
+                <a:ea typeface="나눔스퀘어 Bold" panose="020B0600000101010101" pitchFamily="50" charset="-127"/>
+              </a:rPr>
+              <a:t>C</a:t>
+            </a:r>
+            <a:r>
+              <a:rPr lang="ko-KR" altLang="en-US" dirty="0">
+                <a:latin typeface="나눔스퀘어 Light" panose="020B0600000101010101" pitchFamily="50" charset="-127"/>
+                <a:ea typeface="나눔스퀘어 Light" panose="020B0600000101010101" pitchFamily="50" charset="-127"/>
+              </a:rPr>
+              <a:t>의 경우에는 </a:t>
+            </a:r>
+            <a:r>
+              <a:rPr lang="en-US" altLang="ko-KR" dirty="0" err="1">
+                <a:latin typeface="나눔스퀘어 Light" panose="020B0600000101010101" pitchFamily="50" charset="-127"/>
+                <a:ea typeface="나눔스퀘어 Light" panose="020B0600000101010101" pitchFamily="50" charset="-127"/>
+              </a:rPr>
+              <a:t>stl</a:t>
+            </a:r>
+            <a:r>
+              <a:rPr lang="ko-KR" altLang="en-US" dirty="0">
+                <a:latin typeface="나눔스퀘어 Light" panose="020B0600000101010101" pitchFamily="50" charset="-127"/>
+                <a:ea typeface="나눔스퀘어 Light" panose="020B0600000101010101" pitchFamily="50" charset="-127"/>
+              </a:rPr>
+              <a:t>이 없기 때문에 문자열을 뒤집는 함수가 따로 존재하지 않아 이를 직접 구현합니다</a:t>
+            </a:r>
+            <a:r>
+              <a:rPr lang="en-US" altLang="ko-KR" dirty="0">
+                <a:latin typeface="나눔스퀘어 Light" panose="020B0600000101010101" pitchFamily="50" charset="-127"/>
+                <a:ea typeface="나눔스퀘어 Light" panose="020B0600000101010101" pitchFamily="50" charset="-127"/>
+              </a:rPr>
+              <a:t>.</a:t>
+            </a:r>
+          </a:p>
+        </p:txBody>
+      </p:sp>
+      <p:pic>
+        <p:nvPicPr>
+          <p:cNvPr id="6" name="그림 5">
+            <a:extLst>
+              <a:ext uri="{FF2B5EF4-FFF2-40B4-BE49-F238E27FC236}">
+                <a16:creationId xmlns:a16="http://schemas.microsoft.com/office/drawing/2014/main" id="{05954964-47A0-3064-0261-E69F13331137}"/>
+              </a:ext>
+            </a:extLst>
+          </p:cNvPr>
+          <p:cNvPicPr>
+            <a:picLocks noChangeAspect="1"/>
+          </p:cNvPicPr>
+          <p:nvPr/>
+        </p:nvPicPr>
+        <p:blipFill>
+          <a:blip r:embed="rId2"/>
+          <a:stretch>
+            <a:fillRect/>
+          </a:stretch>
+        </p:blipFill>
+        <p:spPr>
+          <a:xfrm>
+            <a:off x="942386" y="1754356"/>
+            <a:ext cx="5731791" cy="4899504"/>
+          </a:xfrm>
+          <a:prstGeom prst="rect">
+            <a:avLst/>
+          </a:prstGeom>
+        </p:spPr>
+      </p:pic>
+      <p:sp>
+        <p:nvSpPr>
+          <p:cNvPr id="7" name="TextBox 6">
+            <a:extLst>
+              <a:ext uri="{FF2B5EF4-FFF2-40B4-BE49-F238E27FC236}">
+                <a16:creationId xmlns:a16="http://schemas.microsoft.com/office/drawing/2014/main" id="{AF3E7B52-9652-376F-C180-F201D63195D9}"/>
+              </a:ext>
+            </a:extLst>
+          </p:cNvPr>
+          <p:cNvSpPr txBox="1"/>
+          <p:nvPr/>
+        </p:nvSpPr>
+        <p:spPr>
+          <a:xfrm>
+            <a:off x="7107516" y="2373417"/>
+            <a:ext cx="2366421" cy="369332"/>
+          </a:xfrm>
+          <a:prstGeom prst="rect">
+            <a:avLst/>
+          </a:prstGeom>
+          <a:noFill/>
+        </p:spPr>
+        <p:txBody>
+          <a:bodyPr wrap="square" rtlCol="0">
+            <a:spAutoFit/>
+          </a:bodyPr>
+          <a:lstStyle/>
+          <a:p>
+            <a:r>
+              <a:rPr lang="en-US" altLang="ko-KR" dirty="0">
+                <a:latin typeface="나눔스퀘어 Light" panose="020B0600000101010101" pitchFamily="50" charset="-127"/>
+                <a:ea typeface="나눔스퀘어 Light" panose="020B0600000101010101" pitchFamily="50" charset="-127"/>
+              </a:rPr>
+              <a:t>(</a:t>
+            </a:r>
+            <a:r>
+              <a:rPr lang="ko-KR" altLang="en-US" dirty="0">
+                <a:latin typeface="나눔스퀘어 Light" panose="020B0600000101010101" pitchFamily="50" charset="-127"/>
+                <a:ea typeface="나눔스퀘어 Light" panose="020B0600000101010101" pitchFamily="50" charset="-127"/>
+              </a:rPr>
+              <a:t>역시 구현방법 다양함</a:t>
+            </a:r>
+            <a:r>
+              <a:rPr lang="en-US" altLang="ko-KR" dirty="0">
+                <a:latin typeface="나눔스퀘어 Light" panose="020B0600000101010101" pitchFamily="50" charset="-127"/>
+                <a:ea typeface="나눔스퀘어 Light" panose="020B0600000101010101" pitchFamily="50" charset="-127"/>
+              </a:rPr>
+              <a:t>)</a:t>
+            </a:r>
+          </a:p>
+        </p:txBody>
+      </p:sp>
+    </p:spTree>
+    <p:extLst>
+      <p:ext uri="{BB962C8B-B14F-4D97-AF65-F5344CB8AC3E}">
+        <p14:creationId xmlns:p14="http://schemas.microsoft.com/office/powerpoint/2010/main" val="452727575"/>
+      </p:ext>
+    </p:extLst>
+  </p:cSld>
+  <p:clrMapOvr>
+    <a:masterClrMapping/>
+  </p:clrMapOvr>
+</p:sld>
+</file>
+
+<file path=ppt/slides/slide28.xml><?xml version="1.0" encoding="utf-8"?>
+<p:sld xmlns:a="http://schemas.openxmlformats.org/drawingml/2006/main" xmlns:r="http://schemas.openxmlformats.org/officeDocument/2006/relationships" xmlns:p="http://schemas.openxmlformats.org/presentationml/2006/main">
+  <p:cSld>
+    <p:spTree>
+      <p:nvGrpSpPr>
+        <p:cNvPr id="1" name=""/>
+        <p:cNvGrpSpPr/>
+        <p:nvPr/>
+      </p:nvGrpSpPr>
+      <p:grpSpPr>
+        <a:xfrm>
+          <a:off x="0" y="0"/>
+          <a:ext cx="0" cy="0"/>
+          <a:chOff x="0" y="0"/>
+          <a:chExt cx="0" cy="0"/>
+        </a:xfrm>
+      </p:grpSpPr>
+      <p:cxnSp>
+        <p:nvCxnSpPr>
+          <p:cNvPr id="5" name="직선 연결선 4">
+            <a:extLst>
+              <a:ext uri="{FF2B5EF4-FFF2-40B4-BE49-F238E27FC236}">
+                <a16:creationId xmlns:a16="http://schemas.microsoft.com/office/drawing/2014/main" id="{164C2827-EFCE-69A4-D037-1A218415F568}"/>
+              </a:ext>
+            </a:extLst>
+          </p:cNvPr>
+          <p:cNvCxnSpPr/>
+          <p:nvPr/>
+        </p:nvCxnSpPr>
+        <p:spPr>
+          <a:xfrm>
+            <a:off x="0" y="887505"/>
+            <a:ext cx="10237694" cy="0"/>
+          </a:xfrm>
+          <a:prstGeom prst="line">
+            <a:avLst/>
+          </a:prstGeom>
+          <a:ln w="76200">
+            <a:solidFill>
+              <a:schemeClr val="tx1">
+                <a:lumMod val="75000"/>
+                <a:lumOff val="25000"/>
+              </a:schemeClr>
+            </a:solidFill>
+          </a:ln>
+        </p:spPr>
+        <p:style>
+          <a:lnRef idx="1">
+            <a:schemeClr val="accent1"/>
+          </a:lnRef>
+          <a:fillRef idx="0">
+            <a:schemeClr val="accent1"/>
+          </a:fillRef>
+          <a:effectRef idx="0">
+            <a:schemeClr val="accent1"/>
+          </a:effectRef>
+          <a:fontRef idx="minor">
+            <a:schemeClr val="tx1"/>
+          </a:fontRef>
+        </p:style>
+      </p:cxnSp>
+      <p:sp>
+        <p:nvSpPr>
+          <p:cNvPr id="2" name="TextBox 1">
+            <a:extLst>
+              <a:ext uri="{FF2B5EF4-FFF2-40B4-BE49-F238E27FC236}">
+                <a16:creationId xmlns:a16="http://schemas.microsoft.com/office/drawing/2014/main" id="{4781D976-9F91-FBCA-AC28-6CB61B5FCA94}"/>
+              </a:ext>
+            </a:extLst>
+          </p:cNvPr>
+          <p:cNvSpPr txBox="1"/>
+          <p:nvPr/>
+        </p:nvSpPr>
+        <p:spPr>
+          <a:xfrm>
+            <a:off x="331694" y="177505"/>
+            <a:ext cx="4152099" cy="523220"/>
+          </a:xfrm>
+          <a:prstGeom prst="rect">
+            <a:avLst/>
+          </a:prstGeom>
+          <a:noFill/>
+        </p:spPr>
+        <p:txBody>
+          <a:bodyPr wrap="none" rtlCol="0">
+            <a:spAutoFit/>
+          </a:bodyPr>
+          <a:lstStyle/>
+          <a:p>
+            <a:r>
+              <a:rPr lang="en-US" altLang="ko-KR" sz="2800" dirty="0">
+                <a:latin typeface="나눔스퀘어 Bold" panose="020B0600000101010101" pitchFamily="50" charset="-127"/>
+                <a:ea typeface="나눔스퀘어 Bold" panose="020B0600000101010101" pitchFamily="50" charset="-127"/>
+              </a:rPr>
+              <a:t>String – 1259 </a:t>
+            </a:r>
+            <a:r>
+              <a:rPr lang="ko-KR" altLang="en-US" sz="2800" dirty="0" err="1">
+                <a:latin typeface="나눔스퀘어 Bold" panose="020B0600000101010101" pitchFamily="50" charset="-127"/>
+                <a:ea typeface="나눔스퀘어 Bold" panose="020B0600000101010101" pitchFamily="50" charset="-127"/>
+              </a:rPr>
+              <a:t>팰린드롬수</a:t>
+            </a:r>
+            <a:endParaRPr lang="ko-KR" altLang="en-US" sz="2800" dirty="0">
+              <a:latin typeface="나눔스퀘어 Bold" panose="020B0600000101010101" pitchFamily="50" charset="-127"/>
+              <a:ea typeface="나눔스퀘어 Bold" panose="020B0600000101010101" pitchFamily="50" charset="-127"/>
+            </a:endParaRPr>
+          </a:p>
+        </p:txBody>
+      </p:sp>
+      <p:sp>
+        <p:nvSpPr>
+          <p:cNvPr id="3" name="TextBox 2">
+            <a:extLst>
+              <a:ext uri="{FF2B5EF4-FFF2-40B4-BE49-F238E27FC236}">
+                <a16:creationId xmlns:a16="http://schemas.microsoft.com/office/drawing/2014/main" id="{753508C8-C00B-A61E-2CAF-FD083CABB559}"/>
+              </a:ext>
+            </a:extLst>
+          </p:cNvPr>
+          <p:cNvSpPr txBox="1"/>
+          <p:nvPr/>
+        </p:nvSpPr>
+        <p:spPr>
+          <a:xfrm>
+            <a:off x="942387" y="1230533"/>
+            <a:ext cx="9945572" cy="369332"/>
+          </a:xfrm>
+          <a:prstGeom prst="rect">
+            <a:avLst/>
+          </a:prstGeom>
+          <a:noFill/>
+        </p:spPr>
+        <p:txBody>
+          <a:bodyPr wrap="square" rtlCol="0">
+            <a:spAutoFit/>
+          </a:bodyPr>
+          <a:lstStyle/>
+          <a:p>
+            <a:r>
+              <a:rPr lang="ko-KR" altLang="en-US" dirty="0">
+                <a:latin typeface="나눔스퀘어 Light" panose="020B0600000101010101" pitchFamily="50" charset="-127"/>
+                <a:ea typeface="나눔스퀘어 Light" panose="020B0600000101010101" pitchFamily="50" charset="-127"/>
+              </a:rPr>
+              <a:t>이제 문자열을 뒤집었으니</a:t>
+            </a:r>
+            <a:r>
+              <a:rPr lang="en-US" altLang="ko-KR" dirty="0">
+                <a:latin typeface="나눔스퀘어 Light" panose="020B0600000101010101" pitchFamily="50" charset="-127"/>
+                <a:ea typeface="나눔스퀘어 Light" panose="020B0600000101010101" pitchFamily="50" charset="-127"/>
+              </a:rPr>
+              <a:t>, </a:t>
+            </a:r>
+            <a:r>
+              <a:rPr lang="ko-KR" altLang="en-US" dirty="0">
+                <a:latin typeface="나눔스퀘어 Light" panose="020B0600000101010101" pitchFamily="50" charset="-127"/>
+                <a:ea typeface="나눔스퀘어 Light" panose="020B0600000101010101" pitchFamily="50" charset="-127"/>
+              </a:rPr>
+              <a:t>원래 문자열과 </a:t>
+            </a:r>
+            <a:r>
+              <a:rPr lang="ko-KR" altLang="en-US" dirty="0" err="1">
+                <a:latin typeface="나눔스퀘어 Light" panose="020B0600000101010101" pitchFamily="50" charset="-127"/>
+                <a:ea typeface="나눔스퀘어 Light" panose="020B0600000101010101" pitchFamily="50" charset="-127"/>
+              </a:rPr>
+              <a:t>같은지</a:t>
+            </a:r>
+            <a:r>
+              <a:rPr lang="ko-KR" altLang="en-US" dirty="0">
+                <a:latin typeface="나눔스퀘어 Light" panose="020B0600000101010101" pitchFamily="50" charset="-127"/>
+                <a:ea typeface="나눔스퀘어 Light" panose="020B0600000101010101" pitchFamily="50" charset="-127"/>
+              </a:rPr>
+              <a:t> 비교하면 됨</a:t>
+            </a:r>
+            <a:endParaRPr lang="en-US" altLang="ko-KR" dirty="0">
+              <a:latin typeface="나눔스퀘어 Light" panose="020B0600000101010101" pitchFamily="50" charset="-127"/>
+              <a:ea typeface="나눔스퀘어 Light" panose="020B0600000101010101" pitchFamily="50" charset="-127"/>
+            </a:endParaRPr>
+          </a:p>
+        </p:txBody>
+      </p:sp>
+      <p:sp>
+        <p:nvSpPr>
+          <p:cNvPr id="4" name="TextBox 3">
+            <a:extLst>
+              <a:ext uri="{FF2B5EF4-FFF2-40B4-BE49-F238E27FC236}">
+                <a16:creationId xmlns:a16="http://schemas.microsoft.com/office/drawing/2014/main" id="{7D3B3343-3B46-A59E-16F5-BFE2C493A709}"/>
+              </a:ext>
+            </a:extLst>
+          </p:cNvPr>
+          <p:cNvSpPr txBox="1"/>
+          <p:nvPr/>
+        </p:nvSpPr>
+        <p:spPr>
+          <a:xfrm>
+            <a:off x="942387" y="1603019"/>
+            <a:ext cx="9945572" cy="369332"/>
+          </a:xfrm>
+          <a:prstGeom prst="rect">
+            <a:avLst/>
+          </a:prstGeom>
+          <a:noFill/>
+        </p:spPr>
+        <p:txBody>
+          <a:bodyPr wrap="square" rtlCol="0">
+            <a:spAutoFit/>
+          </a:bodyPr>
+          <a:lstStyle/>
+          <a:p>
+            <a:r>
+              <a:rPr lang="ko-KR" altLang="en-US" dirty="0">
+                <a:latin typeface="나눔스퀘어 Light" panose="020B0600000101010101" pitchFamily="50" charset="-127"/>
+                <a:ea typeface="나눔스퀘어 Light" panose="020B0600000101010101" pitchFamily="50" charset="-127"/>
+              </a:rPr>
+              <a:t>비교함수 역시 언어별 내장함수를 사용하면 됨</a:t>
+            </a:r>
+            <a:endParaRPr lang="en-US" altLang="ko-KR" dirty="0">
+              <a:latin typeface="나눔스퀘어 Light" panose="020B0600000101010101" pitchFamily="50" charset="-127"/>
+              <a:ea typeface="나눔스퀘어 Light" panose="020B0600000101010101" pitchFamily="50" charset="-127"/>
+            </a:endParaRPr>
+          </a:p>
+        </p:txBody>
+      </p:sp>
+      <p:pic>
+        <p:nvPicPr>
+          <p:cNvPr id="9" name="그림 8">
+            <a:extLst>
+              <a:ext uri="{FF2B5EF4-FFF2-40B4-BE49-F238E27FC236}">
+                <a16:creationId xmlns:a16="http://schemas.microsoft.com/office/drawing/2014/main" id="{3EA7B6E9-E76F-DB4D-94C9-42B15F840EFD}"/>
+              </a:ext>
+            </a:extLst>
+          </p:cNvPr>
+          <p:cNvPicPr>
+            <a:picLocks noChangeAspect="1"/>
+          </p:cNvPicPr>
+          <p:nvPr/>
+        </p:nvPicPr>
+        <p:blipFill>
+          <a:blip r:embed="rId2"/>
+          <a:stretch>
+            <a:fillRect/>
+          </a:stretch>
+        </p:blipFill>
+        <p:spPr>
+          <a:xfrm>
+            <a:off x="942387" y="2396601"/>
+            <a:ext cx="4196736" cy="1289279"/>
+          </a:xfrm>
+          <a:prstGeom prst="rect">
+            <a:avLst/>
+          </a:prstGeom>
+        </p:spPr>
+      </p:pic>
+      <p:pic>
+        <p:nvPicPr>
+          <p:cNvPr id="11" name="그림 10">
+            <a:extLst>
+              <a:ext uri="{FF2B5EF4-FFF2-40B4-BE49-F238E27FC236}">
+                <a16:creationId xmlns:a16="http://schemas.microsoft.com/office/drawing/2014/main" id="{92C0E446-92E8-3DC8-F4A2-5C6F317AF16D}"/>
+              </a:ext>
+            </a:extLst>
+          </p:cNvPr>
+          <p:cNvPicPr>
+            <a:picLocks noChangeAspect="1"/>
+          </p:cNvPicPr>
+          <p:nvPr/>
+        </p:nvPicPr>
+        <p:blipFill>
+          <a:blip r:embed="rId3"/>
+          <a:stretch>
+            <a:fillRect/>
+          </a:stretch>
+        </p:blipFill>
+        <p:spPr>
+          <a:xfrm>
+            <a:off x="942387" y="4686820"/>
+            <a:ext cx="4099619" cy="1289279"/>
+          </a:xfrm>
+          <a:prstGeom prst="rect">
+            <a:avLst/>
+          </a:prstGeom>
+        </p:spPr>
+      </p:pic>
+      <p:pic>
+        <p:nvPicPr>
+          <p:cNvPr id="13" name="그림 12">
+            <a:extLst>
+              <a:ext uri="{FF2B5EF4-FFF2-40B4-BE49-F238E27FC236}">
+                <a16:creationId xmlns:a16="http://schemas.microsoft.com/office/drawing/2014/main" id="{5F3B3A0B-88F6-874A-FE30-A4331F35F852}"/>
+              </a:ext>
+            </a:extLst>
+          </p:cNvPr>
+          <p:cNvPicPr>
+            <a:picLocks noChangeAspect="1"/>
+          </p:cNvPicPr>
+          <p:nvPr/>
+        </p:nvPicPr>
+        <p:blipFill>
+          <a:blip r:embed="rId4"/>
+          <a:stretch>
+            <a:fillRect/>
+          </a:stretch>
+        </p:blipFill>
+        <p:spPr>
+          <a:xfrm>
+            <a:off x="7052879" y="2396601"/>
+            <a:ext cx="2907736" cy="1289279"/>
+          </a:xfrm>
+          <a:prstGeom prst="rect">
+            <a:avLst/>
+          </a:prstGeom>
+        </p:spPr>
+      </p:pic>
+      <p:pic>
+        <p:nvPicPr>
+          <p:cNvPr id="15" name="그림 14">
+            <a:extLst>
+              <a:ext uri="{FF2B5EF4-FFF2-40B4-BE49-F238E27FC236}">
+                <a16:creationId xmlns:a16="http://schemas.microsoft.com/office/drawing/2014/main" id="{13BBE9D7-2A1C-2CBF-6D57-64AAF51FC5AD}"/>
+              </a:ext>
+            </a:extLst>
+          </p:cNvPr>
+          <p:cNvPicPr>
+            <a:picLocks noChangeAspect="1"/>
+          </p:cNvPicPr>
+          <p:nvPr/>
+        </p:nvPicPr>
+        <p:blipFill>
+          <a:blip r:embed="rId5"/>
+          <a:stretch>
+            <a:fillRect/>
+          </a:stretch>
+        </p:blipFill>
+        <p:spPr>
+          <a:xfrm>
+            <a:off x="7052879" y="4686820"/>
+            <a:ext cx="2913333" cy="1136321"/>
+          </a:xfrm>
+          <a:prstGeom prst="rect">
+            <a:avLst/>
+          </a:prstGeom>
+        </p:spPr>
+      </p:pic>
+    </p:spTree>
+    <p:extLst>
+      <p:ext uri="{BB962C8B-B14F-4D97-AF65-F5344CB8AC3E}">
+        <p14:creationId xmlns:p14="http://schemas.microsoft.com/office/powerpoint/2010/main" val="2377457526"/>
+      </p:ext>
+    </p:extLst>
+  </p:cSld>
+  <p:clrMapOvr>
+    <a:masterClrMapping/>
+  </p:clrMapOvr>
+</p:sld>
+</file>
+
+<file path=ppt/slides/slide29.xml><?xml version="1.0" encoding="utf-8"?>
+<p:sld xmlns:a="http://schemas.openxmlformats.org/drawingml/2006/main" xmlns:r="http://schemas.openxmlformats.org/officeDocument/2006/relationships" xmlns:p="http://schemas.openxmlformats.org/presentationml/2006/main">
+  <p:cSld>
+    <p:spTree>
+      <p:nvGrpSpPr>
+        <p:cNvPr id="1" name=""/>
+        <p:cNvGrpSpPr/>
+        <p:nvPr/>
+      </p:nvGrpSpPr>
+      <p:grpSpPr>
+        <a:xfrm>
+          <a:off x="0" y="0"/>
+          <a:ext cx="0" cy="0"/>
+          <a:chOff x="0" y="0"/>
+          <a:chExt cx="0" cy="0"/>
+        </a:xfrm>
+      </p:grpSpPr>
+      <p:cxnSp>
+        <p:nvCxnSpPr>
+          <p:cNvPr id="5" name="직선 연결선 4">
+            <a:extLst>
+              <a:ext uri="{FF2B5EF4-FFF2-40B4-BE49-F238E27FC236}">
+                <a16:creationId xmlns:a16="http://schemas.microsoft.com/office/drawing/2014/main" id="{164C2827-EFCE-69A4-D037-1A218415F568}"/>
+              </a:ext>
+            </a:extLst>
+          </p:cNvPr>
+          <p:cNvCxnSpPr/>
+          <p:nvPr/>
+        </p:nvCxnSpPr>
+        <p:spPr>
+          <a:xfrm>
+            <a:off x="0" y="887505"/>
+            <a:ext cx="10237694" cy="0"/>
+          </a:xfrm>
+          <a:prstGeom prst="line">
+            <a:avLst/>
+          </a:prstGeom>
+          <a:ln w="76200">
+            <a:solidFill>
+              <a:schemeClr val="tx1">
+                <a:lumMod val="75000"/>
+                <a:lumOff val="25000"/>
+              </a:schemeClr>
+            </a:solidFill>
+          </a:ln>
+        </p:spPr>
+        <p:style>
+          <a:lnRef idx="1">
+            <a:schemeClr val="accent1"/>
+          </a:lnRef>
+          <a:fillRef idx="0">
+            <a:schemeClr val="accent1"/>
+          </a:fillRef>
+          <a:effectRef idx="0">
+            <a:schemeClr val="accent1"/>
+          </a:effectRef>
+          <a:fontRef idx="minor">
+            <a:schemeClr val="tx1"/>
+          </a:fontRef>
+        </p:style>
+      </p:cxnSp>
+      <p:sp>
+        <p:nvSpPr>
+          <p:cNvPr id="6" name="TextBox 5">
+            <a:extLst>
+              <a:ext uri="{FF2B5EF4-FFF2-40B4-BE49-F238E27FC236}">
+                <a16:creationId xmlns:a16="http://schemas.microsoft.com/office/drawing/2014/main" id="{908ED9B9-09D3-CFA8-625A-6F9BB9B6BD23}"/>
+              </a:ext>
+            </a:extLst>
+          </p:cNvPr>
+          <p:cNvSpPr txBox="1"/>
+          <p:nvPr/>
+        </p:nvSpPr>
+        <p:spPr>
+          <a:xfrm>
+            <a:off x="331694" y="177505"/>
+            <a:ext cx="2006190" cy="523220"/>
+          </a:xfrm>
+          <a:prstGeom prst="rect">
+            <a:avLst/>
+          </a:prstGeom>
+          <a:noFill/>
+        </p:spPr>
+        <p:txBody>
+          <a:bodyPr wrap="none" rtlCol="0">
+            <a:spAutoFit/>
+          </a:bodyPr>
+          <a:lstStyle/>
+          <a:p>
+            <a:r>
+              <a:rPr lang="en-US" altLang="ko-KR" sz="2800" dirty="0">
+                <a:latin typeface="나눔스퀘어 Bold" panose="020B0600000101010101" pitchFamily="50" charset="-127"/>
+                <a:ea typeface="나눔스퀘어 Bold" panose="020B0600000101010101" pitchFamily="50" charset="-127"/>
+              </a:rPr>
+              <a:t>Homework</a:t>
+            </a:r>
+            <a:endParaRPr lang="ko-KR" altLang="en-US" sz="2800" dirty="0">
+              <a:latin typeface="나눔스퀘어 Bold" panose="020B0600000101010101" pitchFamily="50" charset="-127"/>
+              <a:ea typeface="나눔스퀘어 Bold" panose="020B0600000101010101" pitchFamily="50" charset="-127"/>
+            </a:endParaRPr>
+          </a:p>
+        </p:txBody>
+      </p:sp>
+      <p:sp>
+        <p:nvSpPr>
+          <p:cNvPr id="7" name="TextBox 6">
+            <a:extLst>
+              <a:ext uri="{FF2B5EF4-FFF2-40B4-BE49-F238E27FC236}">
+                <a16:creationId xmlns:a16="http://schemas.microsoft.com/office/drawing/2014/main" id="{DD092523-43DA-0A5F-0C04-8239F4BF07FC}"/>
+              </a:ext>
+            </a:extLst>
+          </p:cNvPr>
+          <p:cNvSpPr txBox="1"/>
+          <p:nvPr/>
+        </p:nvSpPr>
+        <p:spPr>
+          <a:xfrm>
+            <a:off x="942387" y="1661364"/>
+            <a:ext cx="8553305" cy="369332"/>
+          </a:xfrm>
+          <a:prstGeom prst="rect">
+            <a:avLst/>
+          </a:prstGeom>
+          <a:noFill/>
+        </p:spPr>
+        <p:txBody>
+          <a:bodyPr wrap="square" rtlCol="0">
+            <a:spAutoFit/>
+          </a:bodyPr>
+          <a:lstStyle/>
+          <a:p>
+            <a:r>
+              <a:rPr lang="en-US" altLang="ko-KR" dirty="0">
+                <a:latin typeface="나눔스퀘어 Light" panose="020B0600000101010101" pitchFamily="50" charset="-127"/>
+                <a:ea typeface="나눔스퀘어 Light" panose="020B0600000101010101" pitchFamily="50" charset="-127"/>
+              </a:rPr>
+              <a:t>1. 2743 </a:t>
+            </a:r>
+            <a:r>
+              <a:rPr lang="ko-KR" altLang="en-US" dirty="0">
+                <a:latin typeface="나눔스퀘어 Light" panose="020B0600000101010101" pitchFamily="50" charset="-127"/>
+                <a:ea typeface="나눔스퀘어 Light" panose="020B0600000101010101" pitchFamily="50" charset="-127"/>
+              </a:rPr>
+              <a:t>단어 길이 재기</a:t>
+            </a:r>
+          </a:p>
+        </p:txBody>
+      </p:sp>
+      <p:sp>
+        <p:nvSpPr>
+          <p:cNvPr id="8" name="TextBox 7">
+            <a:extLst>
+              <a:ext uri="{FF2B5EF4-FFF2-40B4-BE49-F238E27FC236}">
+                <a16:creationId xmlns:a16="http://schemas.microsoft.com/office/drawing/2014/main" id="{80045CCB-6E92-45F3-05E2-D9718BBAEE86}"/>
+              </a:ext>
+            </a:extLst>
+          </p:cNvPr>
+          <p:cNvSpPr txBox="1"/>
+          <p:nvPr/>
+        </p:nvSpPr>
+        <p:spPr>
+          <a:xfrm>
+            <a:off x="942387" y="2030696"/>
+            <a:ext cx="8553305" cy="369332"/>
+          </a:xfrm>
+          <a:prstGeom prst="rect">
+            <a:avLst/>
+          </a:prstGeom>
+          <a:noFill/>
+        </p:spPr>
+        <p:txBody>
+          <a:bodyPr wrap="square" rtlCol="0">
+            <a:spAutoFit/>
+          </a:bodyPr>
+          <a:lstStyle/>
+          <a:p>
+            <a:r>
+              <a:rPr lang="en-US" altLang="ko-KR" dirty="0">
+                <a:latin typeface="나눔스퀘어 Light" panose="020B0600000101010101" pitchFamily="50" charset="-127"/>
+                <a:ea typeface="나눔스퀘어 Light" panose="020B0600000101010101" pitchFamily="50" charset="-127"/>
+              </a:rPr>
+              <a:t>2. 2744 </a:t>
+            </a:r>
+            <a:r>
+              <a:rPr lang="ko-KR" altLang="en-US" dirty="0">
+                <a:latin typeface="나눔스퀘어 Light" panose="020B0600000101010101" pitchFamily="50" charset="-127"/>
+                <a:ea typeface="나눔스퀘어 Light" panose="020B0600000101010101" pitchFamily="50" charset="-127"/>
+              </a:rPr>
+              <a:t>대소문자 바꾸기</a:t>
+            </a:r>
+          </a:p>
+        </p:txBody>
+      </p:sp>
+      <p:sp>
+        <p:nvSpPr>
+          <p:cNvPr id="9" name="TextBox 8">
+            <a:extLst>
+              <a:ext uri="{FF2B5EF4-FFF2-40B4-BE49-F238E27FC236}">
+                <a16:creationId xmlns:a16="http://schemas.microsoft.com/office/drawing/2014/main" id="{F3F091EF-3E70-16E8-983D-D9C14C2EAD61}"/>
+              </a:ext>
+            </a:extLst>
+          </p:cNvPr>
+          <p:cNvSpPr txBox="1"/>
+          <p:nvPr/>
+        </p:nvSpPr>
+        <p:spPr>
+          <a:xfrm>
+            <a:off x="942387" y="1190024"/>
+            <a:ext cx="8553305" cy="369332"/>
+          </a:xfrm>
+          <a:prstGeom prst="rect">
+            <a:avLst/>
+          </a:prstGeom>
+          <a:noFill/>
+        </p:spPr>
+        <p:txBody>
+          <a:bodyPr wrap="square" rtlCol="0">
+            <a:spAutoFit/>
+          </a:bodyPr>
+          <a:lstStyle/>
+          <a:p>
             <a:r>
               <a:rPr lang="ko-KR" altLang="en-US" dirty="0">
                 <a:latin typeface="나눔스퀘어 Bold" panose="020B0600000101010101" pitchFamily="50" charset="-127"/>
@@ -12977,90 +14430,6 @@
             <a:endParaRPr lang="ko-KR" altLang="en-US" dirty="0">
               <a:latin typeface="나눔스퀘어 Bold" panose="020B0600000101010101" pitchFamily="50" charset="-127"/>
               <a:ea typeface="나눔스퀘어 Bold" panose="020B0600000101010101" pitchFamily="50" charset="-127"/>
-            </a:endParaRPr>
-          </a:p>
-        </p:txBody>
-      </p:sp>
-      <p:sp>
-        <p:nvSpPr>
-          <p:cNvPr id="11" name="TextBox 10">
-            <a:extLst>
-              <a:ext uri="{FF2B5EF4-FFF2-40B4-BE49-F238E27FC236}">
-                <a16:creationId xmlns:a16="http://schemas.microsoft.com/office/drawing/2014/main" id="{CDF0922C-4F6F-DB5B-EC8F-F56AF894275F}"/>
-              </a:ext>
-            </a:extLst>
-          </p:cNvPr>
-          <p:cNvSpPr txBox="1"/>
-          <p:nvPr/>
-        </p:nvSpPr>
-        <p:spPr>
-          <a:xfrm>
-            <a:off x="942387" y="3877349"/>
-            <a:ext cx="8553305" cy="369332"/>
-          </a:xfrm>
-          <a:prstGeom prst="rect">
-            <a:avLst/>
-          </a:prstGeom>
-          <a:noFill/>
-        </p:spPr>
-        <p:txBody>
-          <a:bodyPr wrap="square" rtlCol="0">
-            <a:spAutoFit/>
-          </a:bodyPr>
-          <a:lstStyle/>
-          <a:p>
-            <a:r>
-              <a:rPr lang="ko-KR" altLang="en-US" dirty="0" err="1">
-                <a:latin typeface="나눔스퀘어 Bold" panose="020B0600000101010101" pitchFamily="50" charset="-127"/>
-                <a:ea typeface="나눔스퀘어 Bold" panose="020B0600000101010101" pitchFamily="50" charset="-127"/>
-              </a:rPr>
-              <a:t>ㅁ</a:t>
-            </a:r>
-            <a:endParaRPr lang="ko-KR" altLang="en-US" dirty="0">
-              <a:latin typeface="나눔스퀘어 Bold" panose="020B0600000101010101" pitchFamily="50" charset="-127"/>
-              <a:ea typeface="나눔스퀘어 Bold" panose="020B0600000101010101" pitchFamily="50" charset="-127"/>
-            </a:endParaRPr>
-          </a:p>
-        </p:txBody>
-      </p:sp>
-      <p:sp>
-        <p:nvSpPr>
-          <p:cNvPr id="12" name="TextBox 11">
-            <a:extLst>
-              <a:ext uri="{FF2B5EF4-FFF2-40B4-BE49-F238E27FC236}">
-                <a16:creationId xmlns:a16="http://schemas.microsoft.com/office/drawing/2014/main" id="{1D90656A-EA8C-C93D-45FA-EC08FF6F6A51}"/>
-              </a:ext>
-            </a:extLst>
-          </p:cNvPr>
-          <p:cNvSpPr txBox="1"/>
-          <p:nvPr/>
-        </p:nvSpPr>
-        <p:spPr>
-          <a:xfrm>
-            <a:off x="942387" y="4397510"/>
-            <a:ext cx="8553305" cy="369332"/>
-          </a:xfrm>
-          <a:prstGeom prst="rect">
-            <a:avLst/>
-          </a:prstGeom>
-          <a:noFill/>
-        </p:spPr>
-        <p:txBody>
-          <a:bodyPr wrap="square" rtlCol="0">
-            <a:spAutoFit/>
-          </a:bodyPr>
-          <a:lstStyle/>
-          <a:p>
-            <a:r>
-              <a:rPr lang="ko-KR" altLang="en-US" dirty="0" err="1">
-                <a:latin typeface="나눔스퀘어 Light" panose="020B0600000101010101" pitchFamily="50" charset="-127"/>
-                <a:ea typeface="나눔스퀘어 Light" panose="020B0600000101010101" pitchFamily="50" charset="-127"/>
-              </a:rPr>
-              <a:t>ㅁ</a:t>
-            </a:r>
-            <a:endParaRPr lang="ko-KR" altLang="en-US" dirty="0">
-              <a:latin typeface="나눔스퀘어 Light" panose="020B0600000101010101" pitchFamily="50" charset="-127"/>
-              <a:ea typeface="나눔스퀘어 Light" panose="020B0600000101010101" pitchFamily="50" charset="-127"/>
             </a:endParaRPr>
           </a:p>
         </p:txBody>
